--- a/week_14/week_14.pptx
+++ b/week_14/week_14.pptx
@@ -200,7 +200,7 @@
           <a:p>
             <a:fld id="{C6714D28-BBBE-ED49-9FEB-31BA308E0742}" type="datetimeFigureOut">
               <a:rPr lang="en-US" smtClean="0"/>
-              <a:t>4/27/17</a:t>
+              <a:t>5/3/17</a:t>
             </a:fld>
             <a:endParaRPr lang="en-US"/>
           </a:p>
@@ -720,7 +720,7 @@
           <a:p>
             <a:fld id="{727127F9-68FE-D245-8045-D6F23D92BDC6}" type="datetime1">
               <a:rPr lang="en-US" smtClean="0"/>
-              <a:t>4/27/17</a:t>
+              <a:t>5/3/17</a:t>
             </a:fld>
             <a:endParaRPr lang="en-US"/>
           </a:p>
@@ -943,7 +943,7 @@
           <a:p>
             <a:fld id="{6BE63D4E-225C-604C-9D2E-50363988759C}" type="datetime1">
               <a:rPr lang="en-US" smtClean="0"/>
-              <a:t>4/27/17</a:t>
+              <a:t>5/3/17</a:t>
             </a:fld>
             <a:endParaRPr lang="en-US"/>
           </a:p>
@@ -1118,7 +1118,7 @@
           <a:p>
             <a:fld id="{6D0165A2-13A8-E84A-8E70-1A8EBEDE96E3}" type="datetime1">
               <a:rPr lang="en-US" smtClean="0"/>
-              <a:t>4/27/17</a:t>
+              <a:t>5/3/17</a:t>
             </a:fld>
             <a:endParaRPr lang="en-US"/>
           </a:p>
@@ -1283,7 +1283,7 @@
           <a:p>
             <a:fld id="{7B0C0654-2A5D-1A4A-AE2B-664EAE17E8E3}" type="datetime1">
               <a:rPr lang="en-US" smtClean="0"/>
-              <a:t>4/27/17</a:t>
+              <a:t>5/3/17</a:t>
             </a:fld>
             <a:endParaRPr lang="en-US"/>
           </a:p>
@@ -1532,7 +1532,7 @@
           <a:p>
             <a:fld id="{01DCD32B-55FC-8947-AF3D-3084D4954BE1}" type="datetime1">
               <a:rPr lang="en-US" smtClean="0"/>
-              <a:t>4/27/17</a:t>
+              <a:t>5/3/17</a:t>
             </a:fld>
             <a:endParaRPr lang="en-US"/>
           </a:p>
@@ -1853,7 +1853,7 @@
           <a:p>
             <a:fld id="{300C03DC-9634-2B4D-97A3-CAD31D13A635}" type="datetime1">
               <a:rPr lang="en-US" smtClean="0"/>
-              <a:t>4/27/17</a:t>
+              <a:t>5/3/17</a:t>
             </a:fld>
             <a:endParaRPr lang="en-US"/>
           </a:p>
@@ -2299,7 +2299,7 @@
           <a:p>
             <a:fld id="{3F3E1625-15EE-3545-B30A-ED56D540F710}" type="datetime1">
               <a:rPr lang="en-US" smtClean="0"/>
-              <a:t>4/27/17</a:t>
+              <a:t>5/3/17</a:t>
             </a:fld>
             <a:endParaRPr lang="en-US"/>
           </a:p>
@@ -2412,7 +2412,7 @@
           <a:p>
             <a:fld id="{26025A05-70D5-3549-B8FA-471FC07DA92A}" type="datetime1">
               <a:rPr lang="en-US" smtClean="0"/>
-              <a:t>4/27/17</a:t>
+              <a:t>5/3/17</a:t>
             </a:fld>
             <a:endParaRPr lang="en-US"/>
           </a:p>
@@ -2502,7 +2502,7 @@
           <a:p>
             <a:fld id="{77BD7926-0612-E444-B2E4-534C882F91C4}" type="datetime1">
               <a:rPr lang="en-US" smtClean="0"/>
-              <a:t>4/27/17</a:t>
+              <a:t>5/3/17</a:t>
             </a:fld>
             <a:endParaRPr lang="en-US"/>
           </a:p>
@@ -2784,7 +2784,7 @@
           <a:p>
             <a:fld id="{1506AD66-06DB-A543-B4A5-8E13300B49BF}" type="datetime1">
               <a:rPr lang="en-US" smtClean="0"/>
-              <a:t>4/27/17</a:t>
+              <a:t>5/3/17</a:t>
             </a:fld>
             <a:endParaRPr lang="en-US"/>
           </a:p>
@@ -3101,7 +3101,7 @@
           <a:p>
             <a:fld id="{FA753788-F4F7-C743-A9FD-9ECE738DFC40}" type="datetime1">
               <a:rPr lang="en-US" smtClean="0"/>
-              <a:t>4/27/17</a:t>
+              <a:t>5/3/17</a:t>
             </a:fld>
             <a:endParaRPr lang="en-US"/>
           </a:p>
@@ -3350,7 +3350,7 @@
           <a:p>
             <a:fld id="{D5FE257A-52E6-1A47-B7BC-974FBAEEE097}" type="datetime1">
               <a:rPr lang="en-US" smtClean="0"/>
-              <a:t>4/27/17</a:t>
+              <a:t>5/3/17</a:t>
             </a:fld>
             <a:endParaRPr lang="en-US"/>
           </a:p>
@@ -4017,22 +4017,7 @@
           <a:lstStyle/>
           <a:p>
             <a:r>
-              <a:rPr lang="en-US" sz="2400" dirty="0">
-                <a:hlinkClick r:id="rId2"/>
-              </a:rPr>
-              <a:t>https://</a:t>
-            </a:r>
-            <a:r>
-              <a:rPr lang="en-US" sz="2400" dirty="0" smtClean="0">
-                <a:hlinkClick r:id="rId2"/>
-              </a:rPr>
-              <a:t>developer.android.com/guide/topics/ui/settings.html</a:t>
-            </a:r>
-            <a:endParaRPr lang="en-US" sz="2400" dirty="0"/>
-          </a:p>
-          <a:p>
-            <a:r>
-              <a:rPr lang="en-US" sz="2400" i="1" dirty="0" smtClean="0"/>
+              <a:rPr lang="en-US" sz="2400" i="1" smtClean="0"/>
               <a:t>Android </a:t>
             </a:r>
             <a:r>
